--- a/Sem09/_Semana9_Teoría.pptx
+++ b/Sem09/_Semana9_Teoría.pptx
@@ -5,7 +5,7 @@
     <p:sldMasterId id="2147483720" r:id="rId1"/>
   </p:sldMasterIdLst>
   <p:notesMasterIdLst>
-    <p:notesMasterId r:id="rId43"/>
+    <p:notesMasterId r:id="rId44"/>
   </p:notesMasterIdLst>
   <p:sldIdLst>
     <p:sldId id="256" r:id="rId2"/>
@@ -49,11 +49,12 @@
     <p:sldId id="608" r:id="rId40"/>
     <p:sldId id="610" r:id="rId41"/>
     <p:sldId id="708" r:id="rId42"/>
+    <p:sldId id="709" r:id="rId43"/>
   </p:sldIdLst>
   <p:sldSz cx="12192000" cy="6858000"/>
   <p:notesSz cx="6858000" cy="9144000"/>
   <p:custDataLst>
-    <p:tags r:id="rId44"/>
+    <p:tags r:id="rId45"/>
   </p:custDataLst>
   <p:defaultTextStyle>
     <a:defPPr>
@@ -152,7 +153,18 @@
   </p:defaultTextStyle>
   <p:extLst>
     <p:ext uri="{EFAFB233-063F-42B5-8137-9DF3F51BA10A}">
-      <p15:sldGuideLst xmlns:p15="http://schemas.microsoft.com/office/powerpoint/2012/main" xmlns=""/>
+      <p15:sldGuideLst xmlns:p15="http://schemas.microsoft.com/office/powerpoint/2012/main">
+        <p15:guide id="1" orient="horz" pos="2160">
+          <p15:clr>
+            <a:srgbClr val="A4A3A4"/>
+          </p15:clr>
+        </p15:guide>
+        <p15:guide id="2" pos="3840">
+          <p15:clr>
+            <a:srgbClr val="A4A3A4"/>
+          </p15:clr>
+        </p15:guide>
+      </p15:sldGuideLst>
     </p:ext>
   </p:extLst>
 </p:presentation>
@@ -3806,7 +3818,7 @@
           <a:p>
             <a:fld id="{88541DA4-44F6-C84E-80F1-63428A06E95B}" type="datetimeFigureOut">
               <a:rPr lang="es-ES_tradnl" smtClean="0"/>
-              <a:t>01/03/2019</a:t>
+              <a:t>18/10/2019</a:t>
             </a:fld>
             <a:endParaRPr lang="es-ES_tradnl"/>
           </a:p>
@@ -4466,7 +4478,7 @@
           <a:p>
             <a:fld id="{38DF547D-DE66-3646-86ED-203D8A1448EF}" type="datetimeFigureOut">
               <a:rPr lang="es-ES_tradnl" smtClean="0"/>
-              <a:t>01/03/2019</a:t>
+              <a:t>18/10/2019</a:t>
             </a:fld>
             <a:endParaRPr lang="es-ES_tradnl"/>
           </a:p>
@@ -4643,7 +4655,7 @@
           <a:p>
             <a:fld id="{38DF547D-DE66-3646-86ED-203D8A1448EF}" type="datetimeFigureOut">
               <a:rPr lang="es-ES_tradnl" smtClean="0"/>
-              <a:t>01/03/2019</a:t>
+              <a:t>18/10/2019</a:t>
             </a:fld>
             <a:endParaRPr lang="es-ES_tradnl"/>
           </a:p>
@@ -4830,7 +4842,7 @@
           <a:p>
             <a:fld id="{38DF547D-DE66-3646-86ED-203D8A1448EF}" type="datetimeFigureOut">
               <a:rPr lang="es-ES_tradnl" smtClean="0"/>
-              <a:t>01/03/2019</a:t>
+              <a:t>18/10/2019</a:t>
             </a:fld>
             <a:endParaRPr lang="es-ES_tradnl"/>
           </a:p>
@@ -5007,7 +5019,7 @@
           <a:p>
             <a:fld id="{38DF547D-DE66-3646-86ED-203D8A1448EF}" type="datetimeFigureOut">
               <a:rPr lang="es-ES_tradnl" smtClean="0"/>
-              <a:t>01/03/2019</a:t>
+              <a:t>18/10/2019</a:t>
             </a:fld>
             <a:endParaRPr lang="es-ES_tradnl"/>
           </a:p>
@@ -5260,7 +5272,7 @@
           <a:p>
             <a:fld id="{38DF547D-DE66-3646-86ED-203D8A1448EF}" type="datetimeFigureOut">
               <a:rPr lang="es-ES_tradnl" smtClean="0"/>
-              <a:t>01/03/2019</a:t>
+              <a:t>18/10/2019</a:t>
             </a:fld>
             <a:endParaRPr lang="es-ES_tradnl"/>
           </a:p>
@@ -5499,7 +5511,7 @@
           <a:p>
             <a:fld id="{38DF547D-DE66-3646-86ED-203D8A1448EF}" type="datetimeFigureOut">
               <a:rPr lang="es-ES_tradnl" smtClean="0"/>
-              <a:t>01/03/2019</a:t>
+              <a:t>18/10/2019</a:t>
             </a:fld>
             <a:endParaRPr lang="es-ES_tradnl"/>
           </a:p>
@@ -5873,7 +5885,7 @@
           <a:p>
             <a:fld id="{38DF547D-DE66-3646-86ED-203D8A1448EF}" type="datetimeFigureOut">
               <a:rPr lang="es-ES_tradnl" smtClean="0"/>
-              <a:t>01/03/2019</a:t>
+              <a:t>18/10/2019</a:t>
             </a:fld>
             <a:endParaRPr lang="es-ES_tradnl"/>
           </a:p>
@@ -5991,7 +6003,7 @@
           <a:p>
             <a:fld id="{38DF547D-DE66-3646-86ED-203D8A1448EF}" type="datetimeFigureOut">
               <a:rPr lang="es-ES_tradnl" smtClean="0"/>
-              <a:t>01/03/2019</a:t>
+              <a:t>18/10/2019</a:t>
             </a:fld>
             <a:endParaRPr lang="es-ES_tradnl"/>
           </a:p>
@@ -6093,7 +6105,7 @@
           <a:p>
             <a:fld id="{38DF547D-DE66-3646-86ED-203D8A1448EF}" type="datetimeFigureOut">
               <a:rPr lang="es-ES_tradnl" smtClean="0"/>
-              <a:t>01/03/2019</a:t>
+              <a:t>18/10/2019</a:t>
             </a:fld>
             <a:endParaRPr lang="es-ES_tradnl"/>
           </a:p>
@@ -6377,7 +6389,7 @@
           <a:p>
             <a:fld id="{38DF547D-DE66-3646-86ED-203D8A1448EF}" type="datetimeFigureOut">
               <a:rPr lang="es-ES_tradnl" smtClean="0"/>
-              <a:t>01/03/2019</a:t>
+              <a:t>18/10/2019</a:t>
             </a:fld>
             <a:endParaRPr lang="es-ES_tradnl"/>
           </a:p>
@@ -6641,7 +6653,7 @@
           <a:p>
             <a:fld id="{38DF547D-DE66-3646-86ED-203D8A1448EF}" type="datetimeFigureOut">
               <a:rPr lang="es-ES_tradnl" smtClean="0"/>
-              <a:t>01/03/2019</a:t>
+              <a:t>18/10/2019</a:t>
             </a:fld>
             <a:endParaRPr lang="es-ES_tradnl"/>
           </a:p>
@@ -6863,7 +6875,7 @@
           <a:p>
             <a:fld id="{38DF547D-DE66-3646-86ED-203D8A1448EF}" type="datetimeFigureOut">
               <a:rPr lang="es-ES_tradnl" smtClean="0"/>
-              <a:t>01/03/2019</a:t>
+              <a:t>18/10/2019</a:t>
             </a:fld>
             <a:endParaRPr lang="es-ES_tradnl"/>
           </a:p>
@@ -20523,6 +20535,47 @@
     <p:extLst>
       <p:ext uri="{BB962C8B-B14F-4D97-AF65-F5344CB8AC3E}">
         <p14:creationId xmlns:p14="http://schemas.microsoft.com/office/powerpoint/2010/main" val="2125116791"/>
+      </p:ext>
+    </p:extLst>
+  </p:cSld>
+  <p:clrMapOvr>
+    <a:masterClrMapping/>
+  </p:clrMapOvr>
+</p:sld>
+</file>
+
+<file path=ppt/slides/slide42.xml><?xml version="1.0" encoding="utf-8"?>
+<p:sld xmlns:a="http://schemas.openxmlformats.org/drawingml/2006/main" xmlns:r="http://schemas.openxmlformats.org/officeDocument/2006/relationships" xmlns:p="http://schemas.openxmlformats.org/presentationml/2006/main">
+  <p:cSld>
+    <p:bg>
+      <p:bgPr>
+        <a:solidFill>
+          <a:schemeClr val="tx1">
+            <a:lumMod val="85000"/>
+            <a:lumOff val="15000"/>
+          </a:schemeClr>
+        </a:solidFill>
+        <a:effectLst/>
+      </p:bgPr>
+    </p:bg>
+    <p:spTree>
+      <p:nvGrpSpPr>
+        <p:cNvPr id="1" name=""/>
+        <p:cNvGrpSpPr/>
+        <p:nvPr/>
+      </p:nvGrpSpPr>
+      <p:grpSpPr>
+        <a:xfrm>
+          <a:off x="0" y="0"/>
+          <a:ext cx="0" cy="0"/>
+          <a:chOff x="0" y="0"/>
+          <a:chExt cx="0" cy="0"/>
+        </a:xfrm>
+      </p:grpSpPr>
+    </p:spTree>
+    <p:extLst>
+      <p:ext uri="{BB962C8B-B14F-4D97-AF65-F5344CB8AC3E}">
+        <p14:creationId xmlns:p14="http://schemas.microsoft.com/office/powerpoint/2010/main" val="3799307471"/>
       </p:ext>
     </p:extLst>
   </p:cSld>
@@ -23926,7 +23979,7 @@
   <a:extraClrSchemeLst/>
   <a:extLst>
     <a:ext uri="{05A4C25C-085E-4340-85A3-A5531E510DB2}">
-      <thm15:themeFamily xmlns:thm15="http://schemas.microsoft.com/office/thememl/2012/main" xmlns="" name="Office Theme" id="{62F939B6-93AF-4DB8-9C6B-D6C7DFDC589F}" vid="{4A3C46E8-61CC-4603-A589-7422A47A8E4A}"/>
+      <thm15:themeFamily xmlns:thm15="http://schemas.microsoft.com/office/thememl/2012/main" name="Office Theme" id="{62F939B6-93AF-4DB8-9C6B-D6C7DFDC589F}" vid="{4A3C46E8-61CC-4603-A589-7422A47A8E4A}"/>
     </a:ext>
   </a:extLst>
 </a:theme>
@@ -24187,7 +24240,7 @@
   <a:extraClrSchemeLst/>
   <a:extLst>
     <a:ext uri="{05A4C25C-085E-4340-85A3-A5531E510DB2}">
-      <thm15:themeFamily xmlns:thm15="http://schemas.microsoft.com/office/thememl/2012/main" xmlns="" name="Office Theme" id="{62F939B6-93AF-4DB8-9C6B-D6C7DFDC589F}" vid="{4A3C46E8-61CC-4603-A589-7422A47A8E4A}"/>
+      <thm15:themeFamily xmlns:thm15="http://schemas.microsoft.com/office/thememl/2012/main" name="Office Theme" id="{62F939B6-93AF-4DB8-9C6B-D6C7DFDC589F}" vid="{4A3C46E8-61CC-4603-A589-7422A47A8E4A}"/>
     </a:ext>
   </a:extLst>
 </a:theme>
